--- a/docs/slides/Week1_Recap.pptx
+++ b/docs/slides/Week1_Recap.pptx
@@ -1117,6 +1117,13 @@
         </dgm:presLayoutVars>
       </dgm:prSet>
       <dgm:spPr/>
+      <dgm:t>
+        <a:bodyPr/>
+        <a:lstStyle/>
+        <a:p>
+          <a:endParaRPr lang="en-US"/>
+        </a:p>
+      </dgm:t>
     </dgm:pt>
     <dgm:pt modelId="{D26C634C-629D-4161-88AF-27FCE15AF6B7}" type="pres">
       <dgm:prSet presAssocID="{2949E5D0-E3AE-440C-84E0-4D335FE357A3}" presName="dummy" presStyleCnt="0"/>
@@ -1129,10 +1136,24 @@
         </dgm:presLayoutVars>
       </dgm:prSet>
       <dgm:spPr/>
+      <dgm:t>
+        <a:bodyPr/>
+        <a:lstStyle/>
+        <a:p>
+          <a:endParaRPr lang="en-US"/>
+        </a:p>
+      </dgm:t>
     </dgm:pt>
     <dgm:pt modelId="{5ACE39B1-DEE8-4A45-A385-F29C53872361}" type="pres">
       <dgm:prSet presAssocID="{58AB6B1C-C21F-4364-ACA8-705E866302CC}" presName="sibTrans" presStyleLbl="node1" presStyleIdx="0" presStyleCnt="3"/>
       <dgm:spPr/>
+      <dgm:t>
+        <a:bodyPr/>
+        <a:lstStyle/>
+        <a:p>
+          <a:endParaRPr lang="en-US"/>
+        </a:p>
+      </dgm:t>
     </dgm:pt>
     <dgm:pt modelId="{76FA96CB-7B53-4B64-9D50-6A84EDF8069E}" type="pres">
       <dgm:prSet presAssocID="{D459C53D-C842-4379-B987-E4C10069BCDB}" presName="dummy" presStyleCnt="0"/>
@@ -1145,10 +1166,24 @@
         </dgm:presLayoutVars>
       </dgm:prSet>
       <dgm:spPr/>
+      <dgm:t>
+        <a:bodyPr/>
+        <a:lstStyle/>
+        <a:p>
+          <a:endParaRPr lang="en-US"/>
+        </a:p>
+      </dgm:t>
     </dgm:pt>
     <dgm:pt modelId="{1DA5407C-2ABA-4D53-A6E4-65C1E42F44ED}" type="pres">
       <dgm:prSet presAssocID="{F6C2D785-60EF-4587-AFCF-1F8354AF04F3}" presName="sibTrans" presStyleLbl="node1" presStyleIdx="1" presStyleCnt="3"/>
       <dgm:spPr/>
+      <dgm:t>
+        <a:bodyPr/>
+        <a:lstStyle/>
+        <a:p>
+          <a:endParaRPr lang="en-US"/>
+        </a:p>
+      </dgm:t>
     </dgm:pt>
     <dgm:pt modelId="{7647305E-982E-4611-88D4-4B010B25F2E9}" type="pres">
       <dgm:prSet presAssocID="{B3C1612D-F49E-46F5-96F5-811B17CA5296}" presName="dummy" presStyleCnt="0"/>
@@ -1161,23 +1196,37 @@
         </dgm:presLayoutVars>
       </dgm:prSet>
       <dgm:spPr/>
+      <dgm:t>
+        <a:bodyPr/>
+        <a:lstStyle/>
+        <a:p>
+          <a:endParaRPr lang="en-US"/>
+        </a:p>
+      </dgm:t>
     </dgm:pt>
     <dgm:pt modelId="{52CF257E-0E6F-48A7-B73F-3BF9D7D3B8C9}" type="pres">
       <dgm:prSet presAssocID="{410C827A-8B8F-4BD2-9371-0AF8EB9697F0}" presName="sibTrans" presStyleLbl="node1" presStyleIdx="2" presStyleCnt="3"/>
       <dgm:spPr/>
+      <dgm:t>
+        <a:bodyPr/>
+        <a:lstStyle/>
+        <a:p>
+          <a:endParaRPr lang="en-US"/>
+        </a:p>
+      </dgm:t>
     </dgm:pt>
   </dgm:ptLst>
   <dgm:cxnLst>
+    <dgm:cxn modelId="{C779B286-9221-49AC-B04F-9C2D0436B319}" srcId="{97371F4E-EFCC-4489-9D4F-A04749EEC3C7}" destId="{2949E5D0-E3AE-440C-84E0-4D335FE357A3}" srcOrd="0" destOrd="0" parTransId="{1DC2CE05-67FE-404B-A1FA-DE130E295249}" sibTransId="{58AB6B1C-C21F-4364-ACA8-705E866302CC}"/>
+    <dgm:cxn modelId="{8D70B86B-2547-4F3D-87CA-A8CF59C60AE6}" type="presOf" srcId="{B3C1612D-F49E-46F5-96F5-811B17CA5296}" destId="{CA33C156-38C2-47B4-B412-AC0AD426ECA9}" srcOrd="0" destOrd="0" presId="urn:microsoft.com/office/officeart/2005/8/layout/cycle1"/>
+    <dgm:cxn modelId="{7EAAD49D-1FAA-4B58-AF37-EB3EB875D7FE}" srcId="{97371F4E-EFCC-4489-9D4F-A04749EEC3C7}" destId="{B3C1612D-F49E-46F5-96F5-811B17CA5296}" srcOrd="2" destOrd="0" parTransId="{C593E684-A8A4-4FD4-9D15-7AC9144F249C}" sibTransId="{410C827A-8B8F-4BD2-9371-0AF8EB9697F0}"/>
+    <dgm:cxn modelId="{A4792A78-1EC2-424B-8EC2-A7612ED7AF1C}" type="presOf" srcId="{F6C2D785-60EF-4587-AFCF-1F8354AF04F3}" destId="{1DA5407C-2ABA-4D53-A6E4-65C1E42F44ED}" srcOrd="0" destOrd="0" presId="urn:microsoft.com/office/officeart/2005/8/layout/cycle1"/>
+    <dgm:cxn modelId="{3DFE1868-F02C-4B13-9849-7A122281CBEF}" type="presOf" srcId="{97371F4E-EFCC-4489-9D4F-A04749EEC3C7}" destId="{C6F4ECA5-8E55-49A7-A124-2FE27845719F}" srcOrd="0" destOrd="0" presId="urn:microsoft.com/office/officeart/2005/8/layout/cycle1"/>
     <dgm:cxn modelId="{5B691C2F-F09A-4BF1-98F8-E622C04813F4}" type="presOf" srcId="{D459C53D-C842-4379-B987-E4C10069BCDB}" destId="{2B2AA75F-9619-46A2-A649-4845E114DAD3}" srcOrd="0" destOrd="0" presId="urn:microsoft.com/office/officeart/2005/8/layout/cycle1"/>
-    <dgm:cxn modelId="{3DFE1868-F02C-4B13-9849-7A122281CBEF}" type="presOf" srcId="{97371F4E-EFCC-4489-9D4F-A04749EEC3C7}" destId="{C6F4ECA5-8E55-49A7-A124-2FE27845719F}" srcOrd="0" destOrd="0" presId="urn:microsoft.com/office/officeart/2005/8/layout/cycle1"/>
-    <dgm:cxn modelId="{8D70B86B-2547-4F3D-87CA-A8CF59C60AE6}" type="presOf" srcId="{B3C1612D-F49E-46F5-96F5-811B17CA5296}" destId="{CA33C156-38C2-47B4-B412-AC0AD426ECA9}" srcOrd="0" destOrd="0" presId="urn:microsoft.com/office/officeart/2005/8/layout/cycle1"/>
-    <dgm:cxn modelId="{A4792A78-1EC2-424B-8EC2-A7612ED7AF1C}" type="presOf" srcId="{F6C2D785-60EF-4587-AFCF-1F8354AF04F3}" destId="{1DA5407C-2ABA-4D53-A6E4-65C1E42F44ED}" srcOrd="0" destOrd="0" presId="urn:microsoft.com/office/officeart/2005/8/layout/cycle1"/>
+    <dgm:cxn modelId="{E42864D7-E41D-4C60-9EAC-61CA70C65A26}" type="presOf" srcId="{2949E5D0-E3AE-440C-84E0-4D335FE357A3}" destId="{DAD424E8-6E6A-4FDA-B3E6-483CA922E066}" srcOrd="0" destOrd="0" presId="urn:microsoft.com/office/officeart/2005/8/layout/cycle1"/>
+    <dgm:cxn modelId="{F66D82C3-560B-468A-AE7D-223F0F573514}" type="presOf" srcId="{58AB6B1C-C21F-4364-ACA8-705E866302CC}" destId="{5ACE39B1-DEE8-4A45-A385-F29C53872361}" srcOrd="0" destOrd="0" presId="urn:microsoft.com/office/officeart/2005/8/layout/cycle1"/>
+    <dgm:cxn modelId="{CF3EF0A6-E957-4029-8642-ACC0FDEBD4C3}" srcId="{97371F4E-EFCC-4489-9D4F-A04749EEC3C7}" destId="{D459C53D-C842-4379-B987-E4C10069BCDB}" srcOrd="1" destOrd="0" parTransId="{3EDB57BF-3425-4E1F-8303-6E3721F62824}" sibTransId="{F6C2D785-60EF-4587-AFCF-1F8354AF04F3}"/>
     <dgm:cxn modelId="{F1240A7E-DED7-44D5-BA86-D17EA2CC1C4D}" type="presOf" srcId="{410C827A-8B8F-4BD2-9371-0AF8EB9697F0}" destId="{52CF257E-0E6F-48A7-B73F-3BF9D7D3B8C9}" srcOrd="0" destOrd="0" presId="urn:microsoft.com/office/officeart/2005/8/layout/cycle1"/>
-    <dgm:cxn modelId="{C779B286-9221-49AC-B04F-9C2D0436B319}" srcId="{97371F4E-EFCC-4489-9D4F-A04749EEC3C7}" destId="{2949E5D0-E3AE-440C-84E0-4D335FE357A3}" srcOrd="0" destOrd="0" parTransId="{1DC2CE05-67FE-404B-A1FA-DE130E295249}" sibTransId="{58AB6B1C-C21F-4364-ACA8-705E866302CC}"/>
-    <dgm:cxn modelId="{7EAAD49D-1FAA-4B58-AF37-EB3EB875D7FE}" srcId="{97371F4E-EFCC-4489-9D4F-A04749EEC3C7}" destId="{B3C1612D-F49E-46F5-96F5-811B17CA5296}" srcOrd="2" destOrd="0" parTransId="{C593E684-A8A4-4FD4-9D15-7AC9144F249C}" sibTransId="{410C827A-8B8F-4BD2-9371-0AF8EB9697F0}"/>
-    <dgm:cxn modelId="{CF3EF0A6-E957-4029-8642-ACC0FDEBD4C3}" srcId="{97371F4E-EFCC-4489-9D4F-A04749EEC3C7}" destId="{D459C53D-C842-4379-B987-E4C10069BCDB}" srcOrd="1" destOrd="0" parTransId="{3EDB57BF-3425-4E1F-8303-6E3721F62824}" sibTransId="{F6C2D785-60EF-4587-AFCF-1F8354AF04F3}"/>
-    <dgm:cxn modelId="{F66D82C3-560B-468A-AE7D-223F0F573514}" type="presOf" srcId="{58AB6B1C-C21F-4364-ACA8-705E866302CC}" destId="{5ACE39B1-DEE8-4A45-A385-F29C53872361}" srcOrd="0" destOrd="0" presId="urn:microsoft.com/office/officeart/2005/8/layout/cycle1"/>
-    <dgm:cxn modelId="{E42864D7-E41D-4C60-9EAC-61CA70C65A26}" type="presOf" srcId="{2949E5D0-E3AE-440C-84E0-4D335FE357A3}" destId="{DAD424E8-6E6A-4FDA-B3E6-483CA922E066}" srcOrd="0" destOrd="0" presId="urn:microsoft.com/office/officeart/2005/8/layout/cycle1"/>
     <dgm:cxn modelId="{2D210F4E-A39C-4908-947D-E7CBAC45DFA5}" type="presParOf" srcId="{C6F4ECA5-8E55-49A7-A124-2FE27845719F}" destId="{D26C634C-629D-4161-88AF-27FCE15AF6B7}" srcOrd="0" destOrd="0" presId="urn:microsoft.com/office/officeart/2005/8/layout/cycle1"/>
     <dgm:cxn modelId="{A819A0C2-92E7-44EC-9219-3C9040AA086B}" type="presParOf" srcId="{C6F4ECA5-8E55-49A7-A124-2FE27845719F}" destId="{DAD424E8-6E6A-4FDA-B3E6-483CA922E066}" srcOrd="1" destOrd="0" presId="urn:microsoft.com/office/officeart/2005/8/layout/cycle1"/>
     <dgm:cxn modelId="{840E912A-E872-4305-9E4B-9F179B938C6D}" type="presParOf" srcId="{C6F4ECA5-8E55-49A7-A124-2FE27845719F}" destId="{5ACE39B1-DEE8-4A45-A385-F29C53872361}" srcOrd="2" destOrd="0" presId="urn:microsoft.com/office/officeart/2005/8/layout/cycle1"/>
@@ -1243,7 +1292,7 @@
         </a:bodyPr>
         <a:lstStyle/>
         <a:p>
-          <a:pPr marL="0" lvl="0" indent="0" algn="ctr" defTabSz="1600200">
+          <a:pPr lvl="0" algn="ctr" defTabSz="1600200">
             <a:lnSpc>
               <a:spcPct val="90000"/>
             </a:lnSpc>
@@ -1253,7 +1302,6 @@
             <a:spcAft>
               <a:spcPct val="35000"/>
             </a:spcAft>
-            <a:buNone/>
           </a:pPr>
           <a:r>
             <a:rPr lang="en-US" sz="3600" kern="1200" dirty="0"/>
@@ -1357,7 +1405,7 @@
         </a:bodyPr>
         <a:lstStyle/>
         <a:p>
-          <a:pPr marL="0" lvl="0" indent="0" algn="ctr" defTabSz="1600200">
+          <a:pPr lvl="0" algn="ctr" defTabSz="1600200">
             <a:lnSpc>
               <a:spcPct val="90000"/>
             </a:lnSpc>
@@ -1367,7 +1415,6 @@
             <a:spcAft>
               <a:spcPct val="35000"/>
             </a:spcAft>
-            <a:buNone/>
           </a:pPr>
           <a:r>
             <a:rPr lang="en-US" sz="3600" kern="1200" dirty="0"/>
@@ -1471,7 +1518,7 @@
         </a:bodyPr>
         <a:lstStyle/>
         <a:p>
-          <a:pPr marL="0" lvl="0" indent="0" algn="ctr" defTabSz="1600200">
+          <a:pPr lvl="0" algn="ctr" defTabSz="1600200">
             <a:lnSpc>
               <a:spcPct val="90000"/>
             </a:lnSpc>
@@ -1481,7 +1528,6 @@
             <a:spcAft>
               <a:spcPct val="35000"/>
             </a:spcAft>
-            <a:buNone/>
           </a:pPr>
           <a:r>
             <a:rPr lang="en-US" sz="3600" kern="1200" dirty="0"/>
@@ -3335,7 +3381,7 @@
               <a:pPr>
                 <a:defRPr/>
               </a:pPr>
-              <a:t>1/18/21</a:t>
+              <a:t>1/20/2021</a:t>
             </a:fld>
             <a:endParaRPr lang="en-US"/>
           </a:p>
@@ -8142,14 +8188,20 @@
           <a:p>
             <a:pPr algn="ctr"/>
             <a:r>
-              <a:rPr lang="en-US" sz="2400" dirty="0">
+              <a:rPr lang="en-US" sz="2400" dirty="0" smtClean="0">
                 <a:solidFill>
                   <a:srgbClr val="C00000"/>
                 </a:solidFill>
                 <a:latin typeface="Calibri" panose="020F0502020204030204" pitchFamily="34" charset="0"/>
               </a:rPr>
-              <a:t>Week 1</a:t>
-            </a:r>
+              <a:t>Week1</a:t>
+            </a:r>
+            <a:endParaRPr lang="en-US" sz="2400" dirty="0">
+              <a:solidFill>
+                <a:srgbClr val="C00000"/>
+              </a:solidFill>
+              <a:latin typeface="Calibri" panose="020F0502020204030204" pitchFamily="34" charset="0"/>
+            </a:endParaRPr>
           </a:p>
         </p:txBody>
       </p:sp>
@@ -8397,8 +8449,12 @@
               <a:defRPr/>
             </a:pPr>
             <a:r>
+              <a:rPr lang="en-US" dirty="0" smtClean="0"/>
+              <a:t>Week1 </a:t>
+            </a:r>
+            <a:r>
               <a:rPr lang="en-US" dirty="0"/>
-              <a:t>Week 1 - </a:t>
+              <a:t>- </a:t>
             </a:r>
             <a:fld id="{F7EC234A-9094-4BB8-9EA4-75ECDA8A365B}" type="slidenum">
               <a:rPr lang="en-US"/>
@@ -15397,8 +15453,12 @@
               <a:defRPr/>
             </a:pPr>
             <a:r>
+              <a:rPr lang="en-US" dirty="0" smtClean="0"/>
+              <a:t>Week1 </a:t>
+            </a:r>
+            <a:r>
               <a:rPr lang="en-US" dirty="0"/>
-              <a:t>Week 1 - </a:t>
+              <a:t>- </a:t>
             </a:r>
             <a:fld id="{F7EC234A-9094-4BB8-9EA4-75ECDA8A365B}" type="slidenum">
               <a:rPr lang="en-US"/>
